--- a/Presentatie_Psoc_X5.pptx
+++ b/Presentatie_Psoc_X5.pptx
@@ -5,7 +5,7 @@
     <p:sldMasterId id="2147483648" r:id="rId1"/>
   </p:sldMasterIdLst>
   <p:notesMasterIdLst>
-    <p:notesMasterId r:id="rId16"/>
+    <p:notesMasterId r:id="rId17"/>
   </p:notesMasterIdLst>
   <p:sldIdLst>
     <p:sldId id="256" r:id="rId2"/>
@@ -22,6 +22,7 @@
     <p:sldId id="266" r:id="rId13"/>
     <p:sldId id="267" r:id="rId14"/>
     <p:sldId id="268" r:id="rId15"/>
+    <p:sldId id="270" r:id="rId16"/>
   </p:sldIdLst>
   <p:sldSz cx="12192000" cy="6858000"/>
   <p:notesSz cx="6858000" cy="9144000"/>
@@ -3053,7 +3054,7 @@
           <a:p>
             <a:fld id="{18FBAE62-2F83-4008-9F1D-2F009E0A4C09}" type="datetimeFigureOut">
               <a:rPr lang="en-CA" smtClean="0"/>
-              <a:t>2024-12-10</a:t>
+              <a:t>2024-12-13</a:t>
             </a:fld>
             <a:endParaRPr lang="en-CA"/>
           </a:p>
@@ -3638,7 +3639,7 @@
           <a:p>
             <a:fld id="{50F7D3BC-B850-4276-BCA9-A716621D3D25}" type="datetimeFigureOut">
               <a:rPr lang="nl-BE" smtClean="0"/>
-              <a:t>10/12/2024</a:t>
+              <a:t>13/12/2024</a:t>
             </a:fld>
             <a:endParaRPr lang="nl-BE"/>
           </a:p>
@@ -3838,7 +3839,7 @@
           <a:p>
             <a:fld id="{50F7D3BC-B850-4276-BCA9-A716621D3D25}" type="datetimeFigureOut">
               <a:rPr lang="nl-BE" smtClean="0"/>
-              <a:t>10/12/2024</a:t>
+              <a:t>13/12/2024</a:t>
             </a:fld>
             <a:endParaRPr lang="nl-BE"/>
           </a:p>
@@ -4048,7 +4049,7 @@
           <a:p>
             <a:fld id="{50F7D3BC-B850-4276-BCA9-A716621D3D25}" type="datetimeFigureOut">
               <a:rPr lang="nl-BE" smtClean="0"/>
-              <a:t>10/12/2024</a:t>
+              <a:t>13/12/2024</a:t>
             </a:fld>
             <a:endParaRPr lang="nl-BE"/>
           </a:p>
@@ -4248,7 +4249,7 @@
           <a:p>
             <a:fld id="{50F7D3BC-B850-4276-BCA9-A716621D3D25}" type="datetimeFigureOut">
               <a:rPr lang="nl-BE" smtClean="0"/>
-              <a:t>10/12/2024</a:t>
+              <a:t>13/12/2024</a:t>
             </a:fld>
             <a:endParaRPr lang="nl-BE"/>
           </a:p>
@@ -4524,7 +4525,7 @@
           <a:p>
             <a:fld id="{50F7D3BC-B850-4276-BCA9-A716621D3D25}" type="datetimeFigureOut">
               <a:rPr lang="nl-BE" smtClean="0"/>
-              <a:t>10/12/2024</a:t>
+              <a:t>13/12/2024</a:t>
             </a:fld>
             <a:endParaRPr lang="nl-BE"/>
           </a:p>
@@ -4792,7 +4793,7 @@
           <a:p>
             <a:fld id="{50F7D3BC-B850-4276-BCA9-A716621D3D25}" type="datetimeFigureOut">
               <a:rPr lang="nl-BE" smtClean="0"/>
-              <a:t>10/12/2024</a:t>
+              <a:t>13/12/2024</a:t>
             </a:fld>
             <a:endParaRPr lang="nl-BE"/>
           </a:p>
@@ -5207,7 +5208,7 @@
           <a:p>
             <a:fld id="{50F7D3BC-B850-4276-BCA9-A716621D3D25}" type="datetimeFigureOut">
               <a:rPr lang="nl-BE" smtClean="0"/>
-              <a:t>10/12/2024</a:t>
+              <a:t>13/12/2024</a:t>
             </a:fld>
             <a:endParaRPr lang="nl-BE"/>
           </a:p>
@@ -5349,7 +5350,7 @@
           <a:p>
             <a:fld id="{50F7D3BC-B850-4276-BCA9-A716621D3D25}" type="datetimeFigureOut">
               <a:rPr lang="nl-BE" smtClean="0"/>
-              <a:t>10/12/2024</a:t>
+              <a:t>13/12/2024</a:t>
             </a:fld>
             <a:endParaRPr lang="nl-BE"/>
           </a:p>
@@ -5462,7 +5463,7 @@
           <a:p>
             <a:fld id="{50F7D3BC-B850-4276-BCA9-A716621D3D25}" type="datetimeFigureOut">
               <a:rPr lang="nl-BE" smtClean="0"/>
-              <a:t>10/12/2024</a:t>
+              <a:t>13/12/2024</a:t>
             </a:fld>
             <a:endParaRPr lang="nl-BE"/>
           </a:p>
@@ -5775,7 +5776,7 @@
           <a:p>
             <a:fld id="{50F7D3BC-B850-4276-BCA9-A716621D3D25}" type="datetimeFigureOut">
               <a:rPr lang="nl-BE" smtClean="0"/>
-              <a:t>10/12/2024</a:t>
+              <a:t>13/12/2024</a:t>
             </a:fld>
             <a:endParaRPr lang="nl-BE"/>
           </a:p>
@@ -6064,7 +6065,7 @@
           <a:p>
             <a:fld id="{50F7D3BC-B850-4276-BCA9-A716621D3D25}" type="datetimeFigureOut">
               <a:rPr lang="nl-BE" smtClean="0"/>
-              <a:t>10/12/2024</a:t>
+              <a:t>13/12/2024</a:t>
             </a:fld>
             <a:endParaRPr lang="nl-BE"/>
           </a:p>
@@ -6307,7 +6308,7 @@
           <a:p>
             <a:fld id="{50F7D3BC-B850-4276-BCA9-A716621D3D25}" type="datetimeFigureOut">
               <a:rPr lang="nl-BE" smtClean="0"/>
-              <a:t>10/12/2024</a:t>
+              <a:t>13/12/2024</a:t>
             </a:fld>
             <a:endParaRPr lang="nl-BE"/>
           </a:p>
@@ -13934,6 +13935,123 @@
 </p:sld>
 </file>
 
+<file path=ppt/slides/slide15.xml><?xml version="1.0" encoding="utf-8"?>
+<p:sld xmlns:a="http://schemas.openxmlformats.org/drawingml/2006/main" xmlns:r="http://schemas.openxmlformats.org/officeDocument/2006/relationships" xmlns:p="http://schemas.openxmlformats.org/presentationml/2006/main">
+  <p:cSld>
+    <p:spTree>
+      <p:nvGrpSpPr>
+        <p:cNvPr id="1" name=""/>
+        <p:cNvGrpSpPr/>
+        <p:nvPr/>
+      </p:nvGrpSpPr>
+      <p:grpSpPr>
+        <a:xfrm>
+          <a:off x="0" y="0"/>
+          <a:ext cx="0" cy="0"/>
+          <a:chOff x="0" y="0"/>
+          <a:chExt cx="0" cy="0"/>
+        </a:xfrm>
+      </p:grpSpPr>
+      <p:sp>
+        <p:nvSpPr>
+          <p:cNvPr id="2" name="Titel 1">
+            <a:extLst>
+              <a:ext uri="{FF2B5EF4-FFF2-40B4-BE49-F238E27FC236}">
+                <a16:creationId xmlns:a16="http://schemas.microsoft.com/office/drawing/2014/main" id="{4BF22057-293C-F650-3B7E-C735E6927200}"/>
+              </a:ext>
+            </a:extLst>
+          </p:cNvPr>
+          <p:cNvSpPr>
+            <a:spLocks noGrp="1"/>
+          </p:cNvSpPr>
+          <p:nvPr>
+            <p:ph type="title"/>
+          </p:nvPr>
+        </p:nvSpPr>
+        <p:spPr/>
+        <p:txBody>
+          <a:bodyPr/>
+          <a:lstStyle/>
+          <a:p>
+            <a:r>
+              <a:rPr lang="nl-NL" dirty="0"/>
+              <a:t>Links</a:t>
+            </a:r>
+            <a:endParaRPr lang="nl-BE" dirty="0"/>
+          </a:p>
+        </p:txBody>
+      </p:sp>
+      <p:sp>
+        <p:nvSpPr>
+          <p:cNvPr id="3" name="Tijdelijke aanduiding voor inhoud 2">
+            <a:extLst>
+              <a:ext uri="{FF2B5EF4-FFF2-40B4-BE49-F238E27FC236}">
+                <a16:creationId xmlns:a16="http://schemas.microsoft.com/office/drawing/2014/main" id="{F073FDD0-13F0-5685-485E-6A6BCA3D928C}"/>
+              </a:ext>
+            </a:extLst>
+          </p:cNvPr>
+          <p:cNvSpPr>
+            <a:spLocks noGrp="1"/>
+          </p:cNvSpPr>
+          <p:nvPr>
+            <p:ph idx="1"/>
+          </p:nvPr>
+        </p:nvSpPr>
+        <p:spPr/>
+        <p:txBody>
+          <a:bodyPr/>
+          <a:lstStyle/>
+          <a:p>
+            <a:pPr marL="0" indent="0">
+              <a:buNone/>
+            </a:pPr>
+            <a:r>
+              <a:rPr lang="nl-NL" dirty="0"/>
+              <a:t>GitHub:</a:t>
+            </a:r>
+          </a:p>
+          <a:p>
+            <a:pPr marL="0" indent="0">
+              <a:buNone/>
+            </a:pPr>
+            <a:r>
+              <a:rPr lang="nl-NL" dirty="0"/>
+              <a:t>https://github.com/JohannesChopov/IoT_Project_Group1.git</a:t>
+            </a:r>
+          </a:p>
+          <a:p>
+            <a:pPr marL="0" indent="0">
+              <a:buNone/>
+            </a:pPr>
+            <a:r>
+              <a:rPr lang="nl-NL" dirty="0"/>
+              <a:t>YouTube:</a:t>
+            </a:r>
+          </a:p>
+          <a:p>
+            <a:pPr marL="0" indent="0">
+              <a:buNone/>
+            </a:pPr>
+            <a:r>
+              <a:rPr lang="nl-BE" dirty="0"/>
+              <a:t>https://youtu.be/tfyG1CX_znA</a:t>
+            </a:r>
+          </a:p>
+        </p:txBody>
+      </p:sp>
+    </p:spTree>
+    <p:extLst>
+      <p:ext uri="{BB962C8B-B14F-4D97-AF65-F5344CB8AC3E}">
+        <p14:creationId xmlns:p14="http://schemas.microsoft.com/office/powerpoint/2010/main" val="103314452"/>
+      </p:ext>
+    </p:extLst>
+  </p:cSld>
+  <p:clrMapOvr>
+    <a:masterClrMapping/>
+  </p:clrMapOvr>
+</p:sld>
+</file>
+
 <file path=ppt/slides/slide2.xml><?xml version="1.0" encoding="utf-8"?>
 <p:sld xmlns:a="http://schemas.openxmlformats.org/drawingml/2006/main" xmlns:r="http://schemas.openxmlformats.org/officeDocument/2006/relationships" xmlns:p="http://schemas.openxmlformats.org/presentationml/2006/main">
   <p:cSld>
@@ -18968,8 +19086,8 @@
           </a:p>
         </p:txBody>
       </p:sp>
-      <mc:AlternateContent xmlns:mc="http://schemas.openxmlformats.org/markup-compatibility/2006">
-        <mc:Choice xmlns:a14="http://schemas.microsoft.com/office/drawing/2010/main" Requires="a14">
+      <mc:AlternateContent xmlns:mc="http://schemas.openxmlformats.org/markup-compatibility/2006" xmlns:a14="http://schemas.microsoft.com/office/drawing/2010/main">
+        <mc:Choice Requires="a14">
           <p:sp>
             <p:nvSpPr>
               <p:cNvPr id="3" name="Tijdelijke aanduiding voor inhoud 2">
@@ -19163,7 +19281,7 @@
             </p:txBody>
           </p:sp>
         </mc:Choice>
-        <mc:Fallback>
+        <mc:Fallback xmlns="">
           <p:sp>
             <p:nvSpPr>
               <p:cNvPr id="3" name="Tijdelijke aanduiding voor inhoud 2">
@@ -20941,8 +21059,8 @@
           </a:p>
         </p:txBody>
       </p:sp>
-      <mc:AlternateContent xmlns:mc="http://schemas.openxmlformats.org/markup-compatibility/2006">
-        <mc:Choice xmlns:a14="http://schemas.microsoft.com/office/drawing/2010/main" Requires="a14">
+      <mc:AlternateContent xmlns:mc="http://schemas.openxmlformats.org/markup-compatibility/2006" xmlns:a14="http://schemas.microsoft.com/office/drawing/2010/main">
+        <mc:Choice Requires="a14">
           <p:sp>
             <p:nvSpPr>
               <p:cNvPr id="3" name="Tijdelijke aanduiding voor inhoud 2">
@@ -21051,7 +21169,7 @@
             </p:txBody>
           </p:sp>
         </mc:Choice>
-        <mc:Fallback>
+        <mc:Fallback xmlns="">
           <p:sp>
             <p:nvSpPr>
               <p:cNvPr id="3" name="Tijdelijke aanduiding voor inhoud 2">
